--- a/resources/class06/06-universal-programs.pptx
+++ b/resources/class06/06-universal-programs.pptx
@@ -167,10 +167,9 @@
           </a:lstStyle>
           <a:p>
             <a:r>
-              <a:rPr lang="en-US" smtClean="0"/>
+              <a:rPr lang="en-US"/>
               <a:t>Click to edit Master title style</a:t>
             </a:r>
-            <a:endParaRPr lang="en-US"/>
           </a:p>
         </p:txBody>
       </p:sp>
@@ -232,10 +231,9 @@
           </a:lstStyle>
           <a:p>
             <a:r>
-              <a:rPr lang="en-US" smtClean="0"/>
+              <a:rPr lang="en-US"/>
               <a:t>Click to edit Master subtitle style</a:t>
             </a:r>
-            <a:endParaRPr lang="en-US"/>
           </a:p>
         </p:txBody>
       </p:sp>
@@ -256,7 +254,7 @@
           <a:p>
             <a:fld id="{36DA0031-D6FA-482B-BEE2-3982F80F9286}" type="datetimeFigureOut">
               <a:rPr lang="en-US" smtClean="0"/>
-              <a:t>7/25/2017</a:t>
+              <a:t>2/8/2023</a:t>
             </a:fld>
             <a:endParaRPr lang="en-US"/>
           </a:p>
@@ -350,10 +348,9 @@
           <a:lstStyle/>
           <a:p>
             <a:r>
-              <a:rPr lang="en-US" smtClean="0"/>
+              <a:rPr lang="en-US"/>
               <a:t>Click to edit Master title style</a:t>
             </a:r>
-            <a:endParaRPr lang="en-US"/>
           </a:p>
         </p:txBody>
       </p:sp>
@@ -374,38 +371,37 @@
           <a:p>
             <a:pPr lvl="0"/>
             <a:r>
-              <a:rPr lang="en-US" smtClean="0"/>
+              <a:rPr lang="en-US"/>
               <a:t>Edit Master text styles</a:t>
             </a:r>
           </a:p>
           <a:p>
             <a:pPr lvl="1"/>
             <a:r>
-              <a:rPr lang="en-US" smtClean="0"/>
+              <a:rPr lang="en-US"/>
               <a:t>Second level</a:t>
             </a:r>
           </a:p>
           <a:p>
             <a:pPr lvl="2"/>
             <a:r>
-              <a:rPr lang="en-US" smtClean="0"/>
+              <a:rPr lang="en-US"/>
               <a:t>Third level</a:t>
             </a:r>
           </a:p>
           <a:p>
             <a:pPr lvl="3"/>
             <a:r>
-              <a:rPr lang="en-US" smtClean="0"/>
+              <a:rPr lang="en-US"/>
               <a:t>Fourth level</a:t>
             </a:r>
           </a:p>
           <a:p>
             <a:pPr lvl="4"/>
             <a:r>
-              <a:rPr lang="en-US" smtClean="0"/>
+              <a:rPr lang="en-US"/>
               <a:t>Fifth level</a:t>
             </a:r>
-            <a:endParaRPr lang="en-US"/>
           </a:p>
         </p:txBody>
       </p:sp>
@@ -426,7 +422,7 @@
           <a:p>
             <a:fld id="{36DA0031-D6FA-482B-BEE2-3982F80F9286}" type="datetimeFigureOut">
               <a:rPr lang="en-US" smtClean="0"/>
-              <a:t>7/25/2017</a:t>
+              <a:t>2/8/2023</a:t>
             </a:fld>
             <a:endParaRPr lang="en-US"/>
           </a:p>
@@ -525,10 +521,9 @@
           <a:lstStyle/>
           <a:p>
             <a:r>
-              <a:rPr lang="en-US" smtClean="0"/>
+              <a:rPr lang="en-US"/>
               <a:t>Click to edit Master title style</a:t>
             </a:r>
-            <a:endParaRPr lang="en-US"/>
           </a:p>
         </p:txBody>
       </p:sp>
@@ -554,38 +549,37 @@
           <a:p>
             <a:pPr lvl="0"/>
             <a:r>
-              <a:rPr lang="en-US" smtClean="0"/>
+              <a:rPr lang="en-US"/>
               <a:t>Edit Master text styles</a:t>
             </a:r>
           </a:p>
           <a:p>
             <a:pPr lvl="1"/>
             <a:r>
-              <a:rPr lang="en-US" smtClean="0"/>
+              <a:rPr lang="en-US"/>
               <a:t>Second level</a:t>
             </a:r>
           </a:p>
           <a:p>
             <a:pPr lvl="2"/>
             <a:r>
-              <a:rPr lang="en-US" smtClean="0"/>
+              <a:rPr lang="en-US"/>
               <a:t>Third level</a:t>
             </a:r>
           </a:p>
           <a:p>
             <a:pPr lvl="3"/>
             <a:r>
-              <a:rPr lang="en-US" smtClean="0"/>
+              <a:rPr lang="en-US"/>
               <a:t>Fourth level</a:t>
             </a:r>
           </a:p>
           <a:p>
             <a:pPr lvl="4"/>
             <a:r>
-              <a:rPr lang="en-US" smtClean="0"/>
+              <a:rPr lang="en-US"/>
               <a:t>Fifth level</a:t>
             </a:r>
-            <a:endParaRPr lang="en-US"/>
           </a:p>
         </p:txBody>
       </p:sp>
@@ -606,7 +600,7 @@
           <a:p>
             <a:fld id="{36DA0031-D6FA-482B-BEE2-3982F80F9286}" type="datetimeFigureOut">
               <a:rPr lang="en-US" smtClean="0"/>
-              <a:t>7/25/2017</a:t>
+              <a:t>2/8/2023</a:t>
             </a:fld>
             <a:endParaRPr lang="en-US"/>
           </a:p>
@@ -700,10 +694,9 @@
           <a:lstStyle/>
           <a:p>
             <a:r>
-              <a:rPr lang="en-US" smtClean="0"/>
+              <a:rPr lang="en-US"/>
               <a:t>Click to edit Master title style</a:t>
             </a:r>
-            <a:endParaRPr lang="en-US"/>
           </a:p>
         </p:txBody>
       </p:sp>
@@ -724,38 +717,37 @@
           <a:p>
             <a:pPr lvl="0"/>
             <a:r>
-              <a:rPr lang="en-US" smtClean="0"/>
+              <a:rPr lang="en-US"/>
               <a:t>Edit Master text styles</a:t>
             </a:r>
           </a:p>
           <a:p>
             <a:pPr lvl="1"/>
             <a:r>
-              <a:rPr lang="en-US" smtClean="0"/>
+              <a:rPr lang="en-US"/>
               <a:t>Second level</a:t>
             </a:r>
           </a:p>
           <a:p>
             <a:pPr lvl="2"/>
             <a:r>
-              <a:rPr lang="en-US" smtClean="0"/>
+              <a:rPr lang="en-US"/>
               <a:t>Third level</a:t>
             </a:r>
           </a:p>
           <a:p>
             <a:pPr lvl="3"/>
             <a:r>
-              <a:rPr lang="en-US" smtClean="0"/>
+              <a:rPr lang="en-US"/>
               <a:t>Fourth level</a:t>
             </a:r>
           </a:p>
           <a:p>
             <a:pPr lvl="4"/>
             <a:r>
-              <a:rPr lang="en-US" smtClean="0"/>
+              <a:rPr lang="en-US"/>
               <a:t>Fifth level</a:t>
             </a:r>
-            <a:endParaRPr lang="en-US"/>
           </a:p>
         </p:txBody>
       </p:sp>
@@ -776,7 +768,7 @@
           <a:p>
             <a:fld id="{36DA0031-D6FA-482B-BEE2-3982F80F9286}" type="datetimeFigureOut">
               <a:rPr lang="en-US" smtClean="0"/>
-              <a:t>7/25/2017</a:t>
+              <a:t>2/8/2023</a:t>
             </a:fld>
             <a:endParaRPr lang="en-US"/>
           </a:p>
@@ -879,10 +871,9 @@
           </a:lstStyle>
           <a:p>
             <a:r>
-              <a:rPr lang="en-US" smtClean="0"/>
+              <a:rPr lang="en-US"/>
               <a:t>Click to edit Master title style</a:t>
             </a:r>
-            <a:endParaRPr lang="en-US"/>
           </a:p>
         </p:txBody>
       </p:sp>
@@ -999,7 +990,7 @@
           <a:p>
             <a:pPr lvl="0"/>
             <a:r>
-              <a:rPr lang="en-US" smtClean="0"/>
+              <a:rPr lang="en-US"/>
               <a:t>Edit Master text styles</a:t>
             </a:r>
           </a:p>
@@ -1022,7 +1013,7 @@
           <a:p>
             <a:fld id="{36DA0031-D6FA-482B-BEE2-3982F80F9286}" type="datetimeFigureOut">
               <a:rPr lang="en-US" smtClean="0"/>
-              <a:t>7/25/2017</a:t>
+              <a:t>2/8/2023</a:t>
             </a:fld>
             <a:endParaRPr lang="en-US"/>
           </a:p>
@@ -1116,10 +1107,9 @@
           <a:lstStyle/>
           <a:p>
             <a:r>
-              <a:rPr lang="en-US" smtClean="0"/>
+              <a:rPr lang="en-US"/>
               <a:t>Click to edit Master title style</a:t>
             </a:r>
-            <a:endParaRPr lang="en-US"/>
           </a:p>
         </p:txBody>
       </p:sp>
@@ -1145,38 +1135,37 @@
           <a:p>
             <a:pPr lvl="0"/>
             <a:r>
-              <a:rPr lang="en-US" smtClean="0"/>
+              <a:rPr lang="en-US"/>
               <a:t>Edit Master text styles</a:t>
             </a:r>
           </a:p>
           <a:p>
             <a:pPr lvl="1"/>
             <a:r>
-              <a:rPr lang="en-US" smtClean="0"/>
+              <a:rPr lang="en-US"/>
               <a:t>Second level</a:t>
             </a:r>
           </a:p>
           <a:p>
             <a:pPr lvl="2"/>
             <a:r>
-              <a:rPr lang="en-US" smtClean="0"/>
+              <a:rPr lang="en-US"/>
               <a:t>Third level</a:t>
             </a:r>
           </a:p>
           <a:p>
             <a:pPr lvl="3"/>
             <a:r>
-              <a:rPr lang="en-US" smtClean="0"/>
+              <a:rPr lang="en-US"/>
               <a:t>Fourth level</a:t>
             </a:r>
           </a:p>
           <a:p>
             <a:pPr lvl="4"/>
             <a:r>
-              <a:rPr lang="en-US" smtClean="0"/>
+              <a:rPr lang="en-US"/>
               <a:t>Fifth level</a:t>
             </a:r>
-            <a:endParaRPr lang="en-US"/>
           </a:p>
         </p:txBody>
       </p:sp>
@@ -1202,38 +1191,37 @@
           <a:p>
             <a:pPr lvl="0"/>
             <a:r>
-              <a:rPr lang="en-US" smtClean="0"/>
+              <a:rPr lang="en-US"/>
               <a:t>Edit Master text styles</a:t>
             </a:r>
           </a:p>
           <a:p>
             <a:pPr lvl="1"/>
             <a:r>
-              <a:rPr lang="en-US" smtClean="0"/>
+              <a:rPr lang="en-US"/>
               <a:t>Second level</a:t>
             </a:r>
           </a:p>
           <a:p>
             <a:pPr lvl="2"/>
             <a:r>
-              <a:rPr lang="en-US" smtClean="0"/>
+              <a:rPr lang="en-US"/>
               <a:t>Third level</a:t>
             </a:r>
           </a:p>
           <a:p>
             <a:pPr lvl="3"/>
             <a:r>
-              <a:rPr lang="en-US" smtClean="0"/>
+              <a:rPr lang="en-US"/>
               <a:t>Fourth level</a:t>
             </a:r>
           </a:p>
           <a:p>
             <a:pPr lvl="4"/>
             <a:r>
-              <a:rPr lang="en-US" smtClean="0"/>
+              <a:rPr lang="en-US"/>
               <a:t>Fifth level</a:t>
             </a:r>
-            <a:endParaRPr lang="en-US"/>
           </a:p>
         </p:txBody>
       </p:sp>
@@ -1254,7 +1242,7 @@
           <a:p>
             <a:fld id="{36DA0031-D6FA-482B-BEE2-3982F80F9286}" type="datetimeFigureOut">
               <a:rPr lang="en-US" smtClean="0"/>
-              <a:t>7/25/2017</a:t>
+              <a:t>2/8/2023</a:t>
             </a:fld>
             <a:endParaRPr lang="en-US"/>
           </a:p>
@@ -1353,10 +1341,9 @@
           <a:lstStyle/>
           <a:p>
             <a:r>
-              <a:rPr lang="en-US" smtClean="0"/>
+              <a:rPr lang="en-US"/>
               <a:t>Click to edit Master title style</a:t>
             </a:r>
-            <a:endParaRPr lang="en-US"/>
           </a:p>
         </p:txBody>
       </p:sp>
@@ -1419,7 +1406,7 @@
           <a:p>
             <a:pPr lvl="0"/>
             <a:r>
-              <a:rPr lang="en-US" smtClean="0"/>
+              <a:rPr lang="en-US"/>
               <a:t>Edit Master text styles</a:t>
             </a:r>
           </a:p>
@@ -1447,38 +1434,37 @@
           <a:p>
             <a:pPr lvl="0"/>
             <a:r>
-              <a:rPr lang="en-US" smtClean="0"/>
+              <a:rPr lang="en-US"/>
               <a:t>Edit Master text styles</a:t>
             </a:r>
           </a:p>
           <a:p>
             <a:pPr lvl="1"/>
             <a:r>
-              <a:rPr lang="en-US" smtClean="0"/>
+              <a:rPr lang="en-US"/>
               <a:t>Second level</a:t>
             </a:r>
           </a:p>
           <a:p>
             <a:pPr lvl="2"/>
             <a:r>
-              <a:rPr lang="en-US" smtClean="0"/>
+              <a:rPr lang="en-US"/>
               <a:t>Third level</a:t>
             </a:r>
           </a:p>
           <a:p>
             <a:pPr lvl="3"/>
             <a:r>
-              <a:rPr lang="en-US" smtClean="0"/>
+              <a:rPr lang="en-US"/>
               <a:t>Fourth level</a:t>
             </a:r>
           </a:p>
           <a:p>
             <a:pPr lvl="4"/>
             <a:r>
-              <a:rPr lang="en-US" smtClean="0"/>
+              <a:rPr lang="en-US"/>
               <a:t>Fifth level</a:t>
             </a:r>
-            <a:endParaRPr lang="en-US"/>
           </a:p>
         </p:txBody>
       </p:sp>
@@ -1541,7 +1527,7 @@
           <a:p>
             <a:pPr lvl="0"/>
             <a:r>
-              <a:rPr lang="en-US" smtClean="0"/>
+              <a:rPr lang="en-US"/>
               <a:t>Edit Master text styles</a:t>
             </a:r>
           </a:p>
@@ -1569,38 +1555,37 @@
           <a:p>
             <a:pPr lvl="0"/>
             <a:r>
-              <a:rPr lang="en-US" smtClean="0"/>
+              <a:rPr lang="en-US"/>
               <a:t>Edit Master text styles</a:t>
             </a:r>
           </a:p>
           <a:p>
             <a:pPr lvl="1"/>
             <a:r>
-              <a:rPr lang="en-US" smtClean="0"/>
+              <a:rPr lang="en-US"/>
               <a:t>Second level</a:t>
             </a:r>
           </a:p>
           <a:p>
             <a:pPr lvl="2"/>
             <a:r>
-              <a:rPr lang="en-US" smtClean="0"/>
+              <a:rPr lang="en-US"/>
               <a:t>Third level</a:t>
             </a:r>
           </a:p>
           <a:p>
             <a:pPr lvl="3"/>
             <a:r>
-              <a:rPr lang="en-US" smtClean="0"/>
+              <a:rPr lang="en-US"/>
               <a:t>Fourth level</a:t>
             </a:r>
           </a:p>
           <a:p>
             <a:pPr lvl="4"/>
             <a:r>
-              <a:rPr lang="en-US" smtClean="0"/>
+              <a:rPr lang="en-US"/>
               <a:t>Fifth level</a:t>
             </a:r>
-            <a:endParaRPr lang="en-US"/>
           </a:p>
         </p:txBody>
       </p:sp>
@@ -1621,7 +1606,7 @@
           <a:p>
             <a:fld id="{36DA0031-D6FA-482B-BEE2-3982F80F9286}" type="datetimeFigureOut">
               <a:rPr lang="en-US" smtClean="0"/>
-              <a:t>7/25/2017</a:t>
+              <a:t>2/8/2023</a:t>
             </a:fld>
             <a:endParaRPr lang="en-US"/>
           </a:p>
@@ -1715,10 +1700,9 @@
           <a:lstStyle/>
           <a:p>
             <a:r>
-              <a:rPr lang="en-US" smtClean="0"/>
+              <a:rPr lang="en-US"/>
               <a:t>Click to edit Master title style</a:t>
             </a:r>
-            <a:endParaRPr lang="en-US"/>
           </a:p>
         </p:txBody>
       </p:sp>
@@ -1739,7 +1723,7 @@
           <a:p>
             <a:fld id="{36DA0031-D6FA-482B-BEE2-3982F80F9286}" type="datetimeFigureOut">
               <a:rPr lang="en-US" smtClean="0"/>
-              <a:t>7/25/2017</a:t>
+              <a:t>2/8/2023</a:t>
             </a:fld>
             <a:endParaRPr lang="en-US"/>
           </a:p>
@@ -1834,7 +1818,7 @@
           <a:p>
             <a:fld id="{36DA0031-D6FA-482B-BEE2-3982F80F9286}" type="datetimeFigureOut">
               <a:rPr lang="en-US" smtClean="0"/>
-              <a:t>7/25/2017</a:t>
+              <a:t>2/8/2023</a:t>
             </a:fld>
             <a:endParaRPr lang="en-US"/>
           </a:p>
@@ -1937,10 +1921,9 @@
           </a:lstStyle>
           <a:p>
             <a:r>
-              <a:rPr lang="en-US" smtClean="0"/>
+              <a:rPr lang="en-US"/>
               <a:t>Click to edit Master title style</a:t>
             </a:r>
-            <a:endParaRPr lang="en-US"/>
           </a:p>
         </p:txBody>
       </p:sp>
@@ -1994,38 +1977,37 @@
           <a:p>
             <a:pPr lvl="0"/>
             <a:r>
-              <a:rPr lang="en-US" smtClean="0"/>
+              <a:rPr lang="en-US"/>
               <a:t>Edit Master text styles</a:t>
             </a:r>
           </a:p>
           <a:p>
             <a:pPr lvl="1"/>
             <a:r>
-              <a:rPr lang="en-US" smtClean="0"/>
+              <a:rPr lang="en-US"/>
               <a:t>Second level</a:t>
             </a:r>
           </a:p>
           <a:p>
             <a:pPr lvl="2"/>
             <a:r>
-              <a:rPr lang="en-US" smtClean="0"/>
+              <a:rPr lang="en-US"/>
               <a:t>Third level</a:t>
             </a:r>
           </a:p>
           <a:p>
             <a:pPr lvl="3"/>
             <a:r>
-              <a:rPr lang="en-US" smtClean="0"/>
+              <a:rPr lang="en-US"/>
               <a:t>Fourth level</a:t>
             </a:r>
           </a:p>
           <a:p>
             <a:pPr lvl="4"/>
             <a:r>
-              <a:rPr lang="en-US" smtClean="0"/>
+              <a:rPr lang="en-US"/>
               <a:t>Fifth level</a:t>
             </a:r>
-            <a:endParaRPr lang="en-US"/>
           </a:p>
         </p:txBody>
       </p:sp>
@@ -2088,7 +2070,7 @@
           <a:p>
             <a:pPr lvl="0"/>
             <a:r>
-              <a:rPr lang="en-US" smtClean="0"/>
+              <a:rPr lang="en-US"/>
               <a:t>Edit Master text styles</a:t>
             </a:r>
           </a:p>
@@ -2111,7 +2093,7 @@
           <a:p>
             <a:fld id="{36DA0031-D6FA-482B-BEE2-3982F80F9286}" type="datetimeFigureOut">
               <a:rPr lang="en-US" smtClean="0"/>
-              <a:t>7/25/2017</a:t>
+              <a:t>2/8/2023</a:t>
             </a:fld>
             <a:endParaRPr lang="en-US"/>
           </a:p>
@@ -2214,10 +2196,9 @@
           </a:lstStyle>
           <a:p>
             <a:r>
-              <a:rPr lang="en-US" smtClean="0"/>
+              <a:rPr lang="en-US"/>
               <a:t>Click to edit Master title style</a:t>
             </a:r>
-            <a:endParaRPr lang="en-US"/>
           </a:p>
         </p:txBody>
       </p:sp>
@@ -2341,7 +2322,7 @@
           <a:p>
             <a:pPr lvl="0"/>
             <a:r>
-              <a:rPr lang="en-US" smtClean="0"/>
+              <a:rPr lang="en-US"/>
               <a:t>Edit Master text styles</a:t>
             </a:r>
           </a:p>
@@ -2364,7 +2345,7 @@
           <a:p>
             <a:fld id="{36DA0031-D6FA-482B-BEE2-3982F80F9286}" type="datetimeFigureOut">
               <a:rPr lang="en-US" smtClean="0"/>
-              <a:t>7/25/2017</a:t>
+              <a:t>2/8/2023</a:t>
             </a:fld>
             <a:endParaRPr lang="en-US"/>
           </a:p>
@@ -2473,10 +2454,9 @@
           <a:lstStyle/>
           <a:p>
             <a:r>
-              <a:rPr lang="en-US" smtClean="0"/>
+              <a:rPr lang="en-US"/>
               <a:t>Click to edit Master title style</a:t>
             </a:r>
-            <a:endParaRPr lang="en-US"/>
           </a:p>
         </p:txBody>
       </p:sp>
@@ -2507,38 +2487,37 @@
           <a:p>
             <a:pPr lvl="0"/>
             <a:r>
-              <a:rPr lang="en-US" smtClean="0"/>
+              <a:rPr lang="en-US"/>
               <a:t>Edit Master text styles</a:t>
             </a:r>
           </a:p>
           <a:p>
             <a:pPr lvl="1"/>
             <a:r>
-              <a:rPr lang="en-US" smtClean="0"/>
+              <a:rPr lang="en-US"/>
               <a:t>Second level</a:t>
             </a:r>
           </a:p>
           <a:p>
             <a:pPr lvl="2"/>
             <a:r>
-              <a:rPr lang="en-US" smtClean="0"/>
+              <a:rPr lang="en-US"/>
               <a:t>Third level</a:t>
             </a:r>
           </a:p>
           <a:p>
             <a:pPr lvl="3"/>
             <a:r>
-              <a:rPr lang="en-US" smtClean="0"/>
+              <a:rPr lang="en-US"/>
               <a:t>Fourth level</a:t>
             </a:r>
           </a:p>
           <a:p>
             <a:pPr lvl="4"/>
             <a:r>
-              <a:rPr lang="en-US" smtClean="0"/>
+              <a:rPr lang="en-US"/>
               <a:t>Fifth level</a:t>
             </a:r>
-            <a:endParaRPr lang="en-US"/>
           </a:p>
         </p:txBody>
       </p:sp>
@@ -2577,7 +2556,7 @@
           <a:p>
             <a:fld id="{36DA0031-D6FA-482B-BEE2-3982F80F9286}" type="datetimeFigureOut">
               <a:rPr lang="en-US" smtClean="0"/>
-              <a:t>7/25/2017</a:t>
+              <a:t>2/8/2023</a:t>
             </a:fld>
             <a:endParaRPr lang="en-US"/>
           </a:p>
@@ -3001,13 +2980,8 @@
           <a:p>
             <a:r>
               <a:rPr lang="en-US" dirty="0"/>
-              <a:t>6. Universal </a:t>
-            </a:r>
-            <a:r>
-              <a:rPr lang="en-US" dirty="0" smtClean="0"/>
-              <a:t>Turing machines and computer programs</a:t>
-            </a:r>
-            <a:endParaRPr lang="en-US" dirty="0"/>
+              <a:t>6. Universal Turing machines and computer programs</a:t>
+            </a:r>
           </a:p>
         </p:txBody>
       </p:sp>
@@ -3027,14 +3001,13 @@
           <a:lstStyle/>
           <a:p>
             <a:r>
-              <a:rPr lang="en-US" dirty="0" smtClean="0"/>
+              <a:rPr lang="en-US" dirty="0"/>
               <a:t>Lecture slides for </a:t>
             </a:r>
             <a:r>
-              <a:rPr lang="en-US" i="1" dirty="0" smtClean="0"/>
+              <a:rPr lang="en-US" i="1" dirty="0"/>
               <a:t>What Can Be Computed?</a:t>
             </a:r>
-            <a:endParaRPr lang="en-US" i="1" dirty="0"/>
           </a:p>
         </p:txBody>
       </p:sp>
@@ -3094,7 +3067,7 @@
               <a:buNone/>
             </a:pPr>
             <a:r>
-              <a:rPr lang="en-US" sz="3500" dirty="0" smtClean="0"/>
+              <a:rPr lang="en-US" sz="3500" dirty="0"/>
               <a:t>Test your understanding. What do the following produce?</a:t>
             </a:r>
           </a:p>
@@ -3102,7 +3075,7 @@
             <a:pPr marL="457200" lvl="1" indent="0">
               <a:buNone/>
             </a:pPr>
-            <a:endParaRPr lang="en-US" sz="2000" dirty="0" smtClean="0">
+            <a:endParaRPr lang="en-US" sz="2000" dirty="0">
               <a:latin typeface="Courier New" panose="02070309020205020404" pitchFamily="49" charset="0"/>
               <a:cs typeface="Courier New" panose="02070309020205020404" pitchFamily="49" charset="0"/>
             </a:endParaRPr>
@@ -3112,7 +3085,7 @@
               <a:buNone/>
             </a:pPr>
             <a:r>
-              <a:rPr lang="en-US" dirty="0" smtClean="0">
+              <a:rPr lang="en-US" dirty="0">
                 <a:latin typeface="Courier New" panose="02070309020205020404" pitchFamily="49" charset="0"/>
                 <a:cs typeface="Courier New" panose="02070309020205020404" pitchFamily="49" charset="0"/>
               </a:rPr>
@@ -3158,21 +3131,14 @@
                 <a:latin typeface="Courier New" panose="02070309020205020404" pitchFamily="49" charset="0"/>
                 <a:cs typeface="Courier New" panose="02070309020205020404" pitchFamily="49" charset="0"/>
               </a:rPr>
-              <a:t>('repeatCAorGA.py'), 'CA</a:t>
-            </a:r>
-            <a:r>
-              <a:rPr lang="en-US" dirty="0" smtClean="0">
-                <a:latin typeface="Courier New" panose="02070309020205020404" pitchFamily="49" charset="0"/>
-                <a:cs typeface="Courier New" panose="02070309020205020404" pitchFamily="49" charset="0"/>
-              </a:rPr>
-              <a:t>'))</a:t>
+              <a:t>('repeatCAorGA.py'), 'CA'))</a:t>
             </a:r>
           </a:p>
           <a:p>
             <a:pPr marL="457200" lvl="1" indent="0">
               <a:buNone/>
             </a:pPr>
-            <a:endParaRPr lang="en-US" dirty="0" smtClean="0">
+            <a:endParaRPr lang="en-US" dirty="0">
               <a:latin typeface="Courier New" panose="02070309020205020404" pitchFamily="49" charset="0"/>
               <a:cs typeface="Courier New" panose="02070309020205020404" pitchFamily="49" charset="0"/>
             </a:endParaRPr>
@@ -3182,7 +3148,7 @@
               <a:buNone/>
             </a:pPr>
             <a:r>
-              <a:rPr lang="en-US" dirty="0" smtClean="0">
+              <a:rPr lang="en-US" dirty="0">
                 <a:latin typeface="Courier New" panose="02070309020205020404" pitchFamily="49" charset="0"/>
                 <a:cs typeface="Courier New" panose="02070309020205020404" pitchFamily="49" charset="0"/>
               </a:rPr>
@@ -3228,21 +3194,7 @@
                 <a:latin typeface="Courier New" panose="02070309020205020404" pitchFamily="49" charset="0"/>
                 <a:cs typeface="Courier New" panose="02070309020205020404" pitchFamily="49" charset="0"/>
               </a:rPr>
-              <a:t>('repeatCAorGA.py'), '</a:t>
-            </a:r>
-            <a:r>
-              <a:rPr lang="en-US" dirty="0" smtClean="0">
-                <a:latin typeface="Courier New" panose="02070309020205020404" pitchFamily="49" charset="0"/>
-                <a:cs typeface="Courier New" panose="02070309020205020404" pitchFamily="49" charset="0"/>
-              </a:rPr>
-              <a:t>GA</a:t>
-            </a:r>
-            <a:r>
-              <a:rPr lang="en-US" dirty="0">
-                <a:latin typeface="Courier New" panose="02070309020205020404" pitchFamily="49" charset="0"/>
-                <a:cs typeface="Courier New" panose="02070309020205020404" pitchFamily="49" charset="0"/>
-              </a:rPr>
-              <a:t>'))</a:t>
+              <a:t>('repeatCAorGA.py'), 'GA'))</a:t>
             </a:r>
           </a:p>
         </p:txBody>
@@ -3346,10 +3298,9 @@
           <a:lstStyle/>
           <a:p>
             <a:r>
-              <a:rPr lang="en-US" dirty="0" smtClean="0"/>
+              <a:rPr lang="en-US" dirty="0"/>
               <a:t>The “ignore input” trick will be important in later chapters</a:t>
             </a:r>
-            <a:endParaRPr lang="en-US" dirty="0"/>
           </a:p>
         </p:txBody>
       </p:sp>
@@ -3435,7 +3386,7 @@
               <a:buNone/>
             </a:pPr>
             <a:r>
-              <a:rPr lang="en-US" sz="3600" dirty="0" smtClean="0"/>
+              <a:rPr lang="en-US" sz="3600" dirty="0"/>
               <a:t>Test your understanding. What does the following sequence of statements produce?</a:t>
             </a:r>
           </a:p>
@@ -3443,7 +3394,7 @@
             <a:pPr marL="457200" lvl="1" indent="0">
               <a:buNone/>
             </a:pPr>
-            <a:endParaRPr lang="en-US" dirty="0" smtClean="0">
+            <a:endParaRPr lang="en-US" dirty="0">
               <a:latin typeface="Courier New" panose="02070309020205020404" pitchFamily="49" charset="0"/>
               <a:cs typeface="Courier New" panose="02070309020205020404" pitchFamily="49" charset="0"/>
             </a:endParaRPr>
@@ -3549,33 +3500,8 @@
                 <a:latin typeface="Courier New" panose="02070309020205020404" pitchFamily="49" charset="0"/>
                 <a:cs typeface="Courier New" panose="02070309020205020404" pitchFamily="49" charset="0"/>
               </a:rPr>
-              <a:t>(</a:t>
-            </a:r>
-            <a:r>
-              <a:rPr lang="en-US" sz="2800" dirty="0" smtClean="0">
-                <a:latin typeface="Courier New" panose="02070309020205020404" pitchFamily="49" charset="0"/>
-                <a:cs typeface="Courier New" panose="02070309020205020404" pitchFamily="49" charset="0"/>
-              </a:rPr>
-              <a:t>'GAGAGA</a:t>
-            </a:r>
-            <a:r>
-              <a:rPr lang="en-US" sz="2800" dirty="0">
-                <a:latin typeface="Courier New" panose="02070309020205020404" pitchFamily="49" charset="0"/>
-                <a:cs typeface="Courier New" panose="02070309020205020404" pitchFamily="49" charset="0"/>
-              </a:rPr>
-              <a:t>'</a:t>
-            </a:r>
-            <a:r>
-              <a:rPr lang="en-US" sz="2800" dirty="0" smtClean="0">
-                <a:latin typeface="Courier New" panose="02070309020205020404" pitchFamily="49" charset="0"/>
-                <a:cs typeface="Courier New" panose="02070309020205020404" pitchFamily="49" charset="0"/>
-              </a:rPr>
-              <a:t>)</a:t>
-            </a:r>
-            <a:endParaRPr lang="en-US" sz="2800" dirty="0">
-              <a:latin typeface="Courier New" panose="02070309020205020404" pitchFamily="49" charset="0"/>
-              <a:cs typeface="Courier New" panose="02070309020205020404" pitchFamily="49" charset="0"/>
-            </a:endParaRPr>
+              <a:t>('GAGAGA')</a:t>
+            </a:r>
           </a:p>
         </p:txBody>
       </p:sp>
@@ -3649,10 +3575,9 @@
           <a:lstStyle/>
           <a:p>
             <a:r>
-              <a:rPr lang="en-US" dirty="0" smtClean="0"/>
+              <a:rPr lang="en-US" dirty="0"/>
               <a:t>Some decision problems are recognizable but undecidable</a:t>
             </a:r>
-            <a:endParaRPr lang="en-US" dirty="0"/>
           </a:p>
         </p:txBody>
       </p:sp>
@@ -3674,25 +3599,25 @@
           <a:lstStyle/>
           <a:p>
             <a:r>
-              <a:rPr lang="en-US" sz="3600" i="1" dirty="0" smtClean="0"/>
+              <a:rPr lang="en-US" sz="3600" i="1" dirty="0"/>
               <a:t>Recognizable</a:t>
             </a:r>
             <a:r>
-              <a:rPr lang="en-US" sz="3600" dirty="0" smtClean="0"/>
+              <a:rPr lang="en-US" sz="3600" dirty="0"/>
               <a:t> means there’s a program that</a:t>
             </a:r>
           </a:p>
           <a:p>
             <a:pPr lvl="1"/>
             <a:r>
-              <a:rPr lang="en-US" sz="3200" dirty="0" smtClean="0"/>
+              <a:rPr lang="en-US" sz="3200" dirty="0"/>
               <a:t>Always terminates with the right answer (“yes”) on positive instances</a:t>
             </a:r>
           </a:p>
           <a:p>
             <a:pPr lvl="1"/>
             <a:r>
-              <a:rPr lang="en-US" sz="3200" dirty="0" smtClean="0"/>
+              <a:rPr lang="en-US" sz="3200" dirty="0"/>
               <a:t>Is never wrong on negative instances</a:t>
             </a:r>
           </a:p>
@@ -3700,35 +3625,30 @@
             <a:pPr lvl="1"/>
             <a:r>
               <a:rPr lang="en-US" sz="3200" dirty="0"/>
-              <a:t>M</a:t>
-            </a:r>
-            <a:r>
-              <a:rPr lang="en-US" sz="3200" dirty="0" smtClean="0"/>
-              <a:t>ay enter an infinite loop on negative instances</a:t>
-            </a:r>
-          </a:p>
-          <a:p>
-            <a:r>
-              <a:rPr lang="en-US" sz="3600" dirty="0" smtClean="0"/>
+              <a:t>May enter an infinite loop on negative instances</a:t>
+            </a:r>
+          </a:p>
+          <a:p>
+            <a:r>
+              <a:rPr lang="en-US" sz="3600" dirty="0"/>
               <a:t>Example: </a:t>
             </a:r>
             <a:r>
-              <a:rPr lang="en-US" sz="3600" dirty="0" err="1" smtClean="0"/>
+              <a:rPr lang="en-US" sz="3600" dirty="0" err="1"/>
               <a:t>YesOnString</a:t>
             </a:r>
             <a:r>
-              <a:rPr lang="en-US" sz="3600" dirty="0" smtClean="0"/>
+              <a:rPr lang="en-US" sz="3600" dirty="0"/>
               <a:t> and </a:t>
             </a:r>
             <a:r>
-              <a:rPr lang="en-US" sz="3600" dirty="0" err="1" smtClean="0"/>
+              <a:rPr lang="en-US" sz="3600" dirty="0" err="1"/>
               <a:t>CrashOnString</a:t>
             </a:r>
             <a:r>
-              <a:rPr lang="en-US" sz="3600" dirty="0" smtClean="0"/>
+              <a:rPr lang="en-US" sz="3600" dirty="0"/>
               <a:t> are recognizable but undecidable</a:t>
             </a:r>
-            <a:endParaRPr lang="en-US" sz="3600" dirty="0"/>
           </a:p>
         </p:txBody>
       </p:sp>
@@ -3785,13 +3705,8 @@
             </a:r>
             <a:r>
               <a:rPr lang="en-US" dirty="0"/>
-              <a:t> </a:t>
-            </a:r>
-            <a:r>
-              <a:rPr lang="en-US" dirty="0" smtClean="0"/>
-              <a:t>is recognizable. Here’s a program that recognizes it:</a:t>
-            </a:r>
-            <a:endParaRPr lang="en-US" dirty="0"/>
+              <a:t> is recognizable. Here’s a program that recognizes it:</a:t>
+            </a:r>
           </a:p>
         </p:txBody>
       </p:sp>
@@ -3844,7 +3759,7 @@
           <a:lstStyle/>
           <a:p>
             <a:r>
-              <a:rPr lang="en-US" sz="3200" dirty="0" smtClean="0">
+              <a:rPr lang="en-US" sz="3200" dirty="0">
                 <a:solidFill>
                   <a:srgbClr val="002060"/>
                 </a:solidFill>
@@ -3852,7 +3767,7 @@
               <a:t>Test your understanding: why does this program not also </a:t>
             </a:r>
             <a:r>
-              <a:rPr lang="en-US" sz="3200" i="1" dirty="0" smtClean="0">
+              <a:rPr lang="en-US" sz="3200" i="1" dirty="0">
                 <a:solidFill>
                   <a:srgbClr val="002060"/>
                 </a:solidFill>
@@ -3860,7 +3775,7 @@
               <a:t>decide</a:t>
             </a:r>
             <a:r>
-              <a:rPr lang="en-US" sz="3200" dirty="0" smtClean="0">
+              <a:rPr lang="en-US" sz="3200" dirty="0">
                 <a:solidFill>
                   <a:srgbClr val="002060"/>
                 </a:solidFill>
@@ -3868,7 +3783,7 @@
               <a:t> </a:t>
             </a:r>
             <a:r>
-              <a:rPr lang="en-US" sz="3200" dirty="0" err="1" smtClean="0">
+              <a:rPr lang="en-US" sz="3200" dirty="0" err="1">
                 <a:solidFill>
                   <a:srgbClr val="002060"/>
                 </a:solidFill>
@@ -3876,18 +3791,13 @@
               <a:t>YesOnString</a:t>
             </a:r>
             <a:r>
-              <a:rPr lang="en-US" sz="3200" dirty="0" smtClean="0">
+              <a:rPr lang="en-US" sz="3200" dirty="0">
                 <a:solidFill>
                   <a:srgbClr val="002060"/>
                 </a:solidFill>
               </a:rPr>
               <a:t>?</a:t>
             </a:r>
-            <a:endParaRPr lang="en-US" sz="3200" dirty="0">
-              <a:solidFill>
-                <a:srgbClr val="002060"/>
-              </a:solidFill>
-            </a:endParaRPr>
           </a:p>
         </p:txBody>
       </p:sp>
@@ -3937,10 +3847,9 @@
           <a:lstStyle/>
           <a:p>
             <a:r>
-              <a:rPr lang="en-US" dirty="0" smtClean="0"/>
+              <a:rPr lang="en-US" dirty="0"/>
               <a:t>Big picture so far…</a:t>
             </a:r>
-            <a:endParaRPr lang="en-US" dirty="0"/>
           </a:p>
         </p:txBody>
       </p:sp>
@@ -3962,38 +3871,14 @@
             <a:pPr lvl="0"/>
             <a:r>
               <a:rPr lang="en-US" dirty="0"/>
-              <a:t>F</a:t>
-            </a:r>
-            <a:r>
-              <a:rPr lang="en-US" dirty="0" smtClean="0"/>
-              <a:t>irst </a:t>
-            </a:r>
+              <a:t>First big idea of the course: there exist undecidable/uncomputable problems</a:t>
+            </a:r>
+          </a:p>
+          <a:p>
+            <a:pPr lvl="0"/>
             <a:r>
               <a:rPr lang="en-US" dirty="0"/>
-              <a:t>big idea of the course: there exist undecidable/uncomputable problems</a:t>
-            </a:r>
-          </a:p>
-          <a:p>
-            <a:pPr lvl="0"/>
-            <a:r>
-              <a:rPr lang="en-US" dirty="0"/>
-              <a:t>S</a:t>
-            </a:r>
-            <a:r>
-              <a:rPr lang="en-US" dirty="0" smtClean="0"/>
-              <a:t>econd </a:t>
-            </a:r>
-            <a:r>
-              <a:rPr lang="en-US" dirty="0"/>
-              <a:t>big idea of the course: there exist universal computers —</a:t>
-            </a:r>
-            <a:r>
-              <a:rPr lang="en-US" dirty="0" smtClean="0"/>
-              <a:t> </a:t>
-            </a:r>
-            <a:r>
-              <a:rPr lang="en-US" dirty="0"/>
-              <a:t>computers that can simulate any other computer or program</a:t>
+              <a:t>Second big idea of the course: there exist universal computers — computers that can simulate any other computer or program</a:t>
             </a:r>
           </a:p>
           <a:p>
@@ -4051,13 +3936,8 @@
           <a:p>
             <a:r>
               <a:rPr lang="en-US" dirty="0"/>
-              <a:t>S</a:t>
-            </a:r>
-            <a:r>
-              <a:rPr lang="en-US" dirty="0" smtClean="0"/>
-              <a:t>ome important experiments:</a:t>
-            </a:r>
-            <a:endParaRPr lang="en-US" dirty="0"/>
+              <a:t>Some important experiments:</a:t>
+            </a:r>
           </a:p>
         </p:txBody>
       </p:sp>
@@ -4079,7 +3959,7 @@
           <a:lstStyle/>
           <a:p>
             <a:r>
-              <a:rPr lang="en-US" dirty="0" smtClean="0"/>
+              <a:rPr lang="en-US" dirty="0"/>
               <a:t>Different ways of doing the same computation (make sure you can explain each one):</a:t>
             </a:r>
           </a:p>
@@ -4088,28 +3968,28 @@
               <a:buNone/>
             </a:pPr>
             <a:r>
-              <a:rPr lang="en-US" dirty="0" smtClean="0">
+              <a:rPr lang="en-US" dirty="0">
                 <a:latin typeface="Courier New" panose="02070309020205020404" pitchFamily="49" charset="0"/>
                 <a:cs typeface="Courier New" panose="02070309020205020404" pitchFamily="49" charset="0"/>
               </a:rPr>
               <a:t>&gt;&gt;&gt; </a:t>
             </a:r>
             <a:r>
-              <a:rPr lang="en-US" dirty="0" err="1" smtClean="0">
+              <a:rPr lang="en-US" dirty="0" err="1">
                 <a:latin typeface="Courier New" panose="02070309020205020404" pitchFamily="49" charset="0"/>
                 <a:cs typeface="Courier New" panose="02070309020205020404" pitchFamily="49" charset="0"/>
               </a:rPr>
               <a:t>simulateTM</a:t>
             </a:r>
             <a:r>
-              <a:rPr lang="en-US" dirty="0" smtClean="0">
+              <a:rPr lang="en-US" dirty="0">
                 <a:latin typeface="Courier New" panose="02070309020205020404" pitchFamily="49" charset="0"/>
                 <a:cs typeface="Courier New" panose="02070309020205020404" pitchFamily="49" charset="0"/>
               </a:rPr>
               <a:t>(</a:t>
             </a:r>
             <a:r>
-              <a:rPr lang="en-US" dirty="0" err="1" smtClean="0">
+              <a:rPr lang="en-US" dirty="0" err="1">
                 <a:latin typeface="Courier New" panose="02070309020205020404" pitchFamily="49" charset="0"/>
                 <a:cs typeface="Courier New" panose="02070309020205020404" pitchFamily="49" charset="0"/>
               </a:rPr>
@@ -4120,14 +4000,7 @@
                 <a:latin typeface="Courier New" panose="02070309020205020404" pitchFamily="49" charset="0"/>
                 <a:cs typeface="Courier New" panose="02070309020205020404" pitchFamily="49" charset="0"/>
               </a:rPr>
-              <a:t>(’containsGAGA.tm’), ’TTGAGATT</a:t>
-            </a:r>
-            <a:r>
-              <a:rPr lang="en-US" dirty="0" smtClean="0">
-                <a:latin typeface="Courier New" panose="02070309020205020404" pitchFamily="49" charset="0"/>
-                <a:cs typeface="Courier New" panose="02070309020205020404" pitchFamily="49" charset="0"/>
-              </a:rPr>
-              <a:t>’)</a:t>
+              <a:t>(’containsGAGA.tm’), ’TTGAGATT’)</a:t>
             </a:r>
           </a:p>
           <a:p>
@@ -4135,53 +4008,39 @@
               <a:buNone/>
             </a:pPr>
             <a:r>
-              <a:rPr lang="en-US" dirty="0" smtClean="0">
+              <a:rPr lang="en-US" dirty="0">
                 <a:latin typeface="Courier New" panose="02070309020205020404" pitchFamily="49" charset="0"/>
                 <a:cs typeface="Courier New" panose="02070309020205020404" pitchFamily="49" charset="0"/>
               </a:rPr>
               <a:t>&gt;&gt;&gt; </a:t>
             </a:r>
             <a:r>
-              <a:rPr lang="en-US" dirty="0" err="1" smtClean="0">
+              <a:rPr lang="en-US" dirty="0" err="1">
                 <a:latin typeface="Courier New" panose="02070309020205020404" pitchFamily="49" charset="0"/>
                 <a:cs typeface="Courier New" panose="02070309020205020404" pitchFamily="49" charset="0"/>
               </a:rPr>
               <a:t>containsGAGA</a:t>
             </a:r>
             <a:r>
-              <a:rPr lang="en-US" dirty="0" smtClean="0">
-                <a:latin typeface="Courier New" panose="02070309020205020404" pitchFamily="49" charset="0"/>
-                <a:cs typeface="Courier New" panose="02070309020205020404" pitchFamily="49" charset="0"/>
-              </a:rPr>
-              <a:t>(</a:t>
-            </a:r>
-            <a:r>
               <a:rPr lang="en-US" dirty="0">
                 <a:latin typeface="Courier New" panose="02070309020205020404" pitchFamily="49" charset="0"/>
                 <a:cs typeface="Courier New" panose="02070309020205020404" pitchFamily="49" charset="0"/>
               </a:rPr>
-              <a:t>’TTGAGATT</a:t>
-            </a:r>
-            <a:r>
-              <a:rPr lang="en-US" dirty="0" smtClean="0">
-                <a:latin typeface="Courier New" panose="02070309020205020404" pitchFamily="49" charset="0"/>
-                <a:cs typeface="Courier New" panose="02070309020205020404" pitchFamily="49" charset="0"/>
-              </a:rPr>
-              <a:t>’)</a:t>
+              <a:t>(’TTGAGATT’)</a:t>
             </a:r>
           </a:p>
           <a:p>
             <a:pPr marL="457200" lvl="1" indent="0">
               <a:buNone/>
             </a:pPr>
-            <a:endParaRPr lang="en-US" dirty="0" smtClean="0">
+            <a:endParaRPr lang="en-US" dirty="0">
               <a:latin typeface="Courier New" panose="02070309020205020404" pitchFamily="49" charset="0"/>
               <a:cs typeface="Courier New" panose="02070309020205020404" pitchFamily="49" charset="0"/>
             </a:endParaRPr>
           </a:p>
           <a:p>
             <a:r>
-              <a:rPr lang="en-US" dirty="0" smtClean="0"/>
+              <a:rPr lang="en-US" dirty="0"/>
               <a:t>Now we introduce yet another way of doing the same computation:</a:t>
             </a:r>
           </a:p>
@@ -4190,14 +4049,14 @@
               <a:buNone/>
             </a:pPr>
             <a:r>
-              <a:rPr lang="en-US" dirty="0" smtClean="0">
+              <a:rPr lang="en-US" dirty="0">
                 <a:latin typeface="Courier New" panose="02070309020205020404" pitchFamily="49" charset="0"/>
                 <a:cs typeface="Courier New" panose="02070309020205020404" pitchFamily="49" charset="0"/>
               </a:rPr>
               <a:t>&gt;&gt;&gt; universal(</a:t>
             </a:r>
             <a:r>
-              <a:rPr lang="en-US" dirty="0" err="1" smtClean="0">
+              <a:rPr lang="en-US" dirty="0" err="1">
                 <a:latin typeface="Courier New" panose="02070309020205020404" pitchFamily="49" charset="0"/>
                 <a:cs typeface="Courier New" panose="02070309020205020404" pitchFamily="49" charset="0"/>
               </a:rPr>
@@ -4208,20 +4067,13 @@
                 <a:latin typeface="Courier New" panose="02070309020205020404" pitchFamily="49" charset="0"/>
                 <a:cs typeface="Courier New" panose="02070309020205020404" pitchFamily="49" charset="0"/>
               </a:rPr>
-              <a:t>(’containsGAGA.py’), ’TTGAGATT</a:t>
-            </a:r>
-            <a:r>
-              <a:rPr lang="en-US" dirty="0" smtClean="0">
-                <a:latin typeface="Courier New" panose="02070309020205020404" pitchFamily="49" charset="0"/>
-                <a:cs typeface="Courier New" panose="02070309020205020404" pitchFamily="49" charset="0"/>
-              </a:rPr>
-              <a:t>’)</a:t>
+              <a:t>(’containsGAGA.py’), ’TTGAGATT’)</a:t>
             </a:r>
           </a:p>
           <a:p>
             <a:pPr lvl="1"/>
             <a:r>
-              <a:rPr lang="en-US" dirty="0" smtClean="0"/>
+              <a:rPr lang="en-US" dirty="0"/>
               <a:t>Try it for yourself. What do you think this does? How do you think it works?</a:t>
             </a:r>
           </a:p>
@@ -4230,20 +4082,19 @@
               <a:buNone/>
             </a:pPr>
             <a:r>
-              <a:rPr lang="en-US" dirty="0" smtClean="0"/>
+              <a:rPr lang="en-US" dirty="0"/>
               <a:t> </a:t>
             </a:r>
           </a:p>
           <a:p>
             <a:r>
-              <a:rPr lang="en-US" dirty="0" smtClean="0"/>
+              <a:rPr lang="en-US" dirty="0"/>
               <a:t>What is the difference between the above three methods of doing the same computation?</a:t>
             </a:r>
+          </a:p>
+          <a:p>
+            <a:pPr lvl="1"/>
             <a:endParaRPr lang="en-US" dirty="0"/>
-          </a:p>
-          <a:p>
-            <a:pPr lvl="1"/>
-            <a:endParaRPr lang="en-US" dirty="0" smtClean="0"/>
           </a:p>
           <a:p>
             <a:endParaRPr lang="en-US" dirty="0"/>
@@ -4299,21 +4150,20 @@
           <a:lstStyle/>
           <a:p>
             <a:r>
-              <a:rPr lang="en-US" dirty="0" smtClean="0"/>
+              <a:rPr lang="en-US" dirty="0"/>
               <a:t>The Python </a:t>
             </a:r>
             <a:r>
-              <a:rPr lang="en-US" dirty="0" smtClean="0">
+              <a:rPr lang="en-US" dirty="0">
                 <a:latin typeface="Courier New" panose="02070309020205020404" pitchFamily="49" charset="0"/>
                 <a:cs typeface="Courier New" panose="02070309020205020404" pitchFamily="49" charset="0"/>
               </a:rPr>
               <a:t>exec</a:t>
             </a:r>
             <a:r>
-              <a:rPr lang="en-US" dirty="0" smtClean="0"/>
+              <a:rPr lang="en-US" dirty="0"/>
               <a:t> function executes strings of Python</a:t>
             </a:r>
-            <a:endParaRPr lang="en-US" dirty="0"/>
           </a:p>
         </p:txBody>
       </p:sp>
@@ -4391,29 +4241,28 @@
           <a:lstStyle/>
           <a:p>
             <a:r>
-              <a:rPr lang="en-US" dirty="0" smtClean="0"/>
+              <a:rPr lang="en-US" dirty="0"/>
               <a:t>We can use </a:t>
             </a:r>
             <a:r>
-              <a:rPr lang="en-US" dirty="0" smtClean="0">
+              <a:rPr lang="en-US" dirty="0">
                 <a:latin typeface="Courier New" panose="02070309020205020404" pitchFamily="49" charset="0"/>
                 <a:cs typeface="Courier New" panose="02070309020205020404" pitchFamily="49" charset="0"/>
               </a:rPr>
               <a:t>exec</a:t>
             </a:r>
             <a:r>
-              <a:rPr lang="en-US" dirty="0" smtClean="0"/>
+              <a:rPr lang="en-US" dirty="0"/>
               <a:t> to write a </a:t>
             </a:r>
             <a:r>
-              <a:rPr lang="en-US" b="1" i="1" dirty="0" smtClean="0"/>
+              <a:rPr lang="en-US" b="1" i="1" dirty="0"/>
               <a:t>universal</a:t>
             </a:r>
             <a:r>
-              <a:rPr lang="en-US" dirty="0" smtClean="0"/>
+              <a:rPr lang="en-US" dirty="0"/>
               <a:t> Python program that executes other Python programs</a:t>
             </a:r>
-            <a:endParaRPr lang="en-US" dirty="0"/>
           </a:p>
         </p:txBody>
       </p:sp>
@@ -4490,10 +4339,9 @@
           <a:lstStyle/>
           <a:p>
             <a:r>
-              <a:rPr lang="en-US" sz="3200" dirty="0" smtClean="0"/>
+              <a:rPr lang="en-US" sz="3200" dirty="0"/>
               <a:t>Examples (what do these output?):</a:t>
             </a:r>
-            <a:endParaRPr lang="en-US" sz="3200" dirty="0"/>
           </a:p>
         </p:txBody>
       </p:sp>
@@ -4543,10 +4391,9 @@
           <a:lstStyle/>
           <a:p>
             <a:r>
-              <a:rPr lang="en-US" dirty="0" smtClean="0"/>
+              <a:rPr lang="en-US" dirty="0"/>
               <a:t>Universal Turing machines exist too</a:t>
             </a:r>
-            <a:endParaRPr lang="en-US" dirty="0"/>
           </a:p>
         </p:txBody>
       </p:sp>
@@ -4568,7 +4415,7 @@
           <a:lstStyle/>
           <a:p>
             <a:r>
-              <a:rPr lang="en-US" dirty="0" smtClean="0"/>
+              <a:rPr lang="en-US" dirty="0"/>
               <a:t>High-level argument: </a:t>
             </a:r>
           </a:p>
@@ -4576,21 +4423,17 @@
             <a:pPr lvl="1"/>
             <a:r>
               <a:rPr lang="en-US" dirty="0"/>
-              <a:t>A</a:t>
-            </a:r>
-            <a:r>
-              <a:rPr lang="en-US" dirty="0" smtClean="0"/>
-              <a:t>ny Python program can be converted to a Turing machine (see previous chapter)</a:t>
+              <a:t>Any Python program can be converted to a Turing machine (see previous chapter)</a:t>
             </a:r>
           </a:p>
           <a:p>
             <a:pPr lvl="1"/>
             <a:r>
-              <a:rPr lang="en-US" dirty="0" smtClean="0"/>
+              <a:rPr lang="en-US" dirty="0"/>
               <a:t>We just saw the universal Python program </a:t>
             </a:r>
             <a:r>
-              <a:rPr lang="en-US" dirty="0" smtClean="0">
+              <a:rPr lang="en-US" dirty="0">
                 <a:latin typeface="Courier New" panose="02070309020205020404" pitchFamily="49" charset="0"/>
                 <a:cs typeface="Courier New" panose="02070309020205020404" pitchFamily="49" charset="0"/>
               </a:rPr>
@@ -4604,43 +4447,50 @@
               <a:t>Therefore, </a:t>
             </a:r>
             <a:r>
-              <a:rPr lang="en-US" dirty="0" smtClean="0">
+              <a:rPr lang="en-US" dirty="0">
                 <a:latin typeface="Courier New" panose="02070309020205020404" pitchFamily="49" charset="0"/>
                 <a:cs typeface="Courier New" panose="02070309020205020404" pitchFamily="49" charset="0"/>
               </a:rPr>
               <a:t>universal.py</a:t>
             </a:r>
             <a:r>
-              <a:rPr lang="en-US" dirty="0" smtClean="0"/>
+              <a:rPr lang="en-US" dirty="0"/>
               <a:t> can be converted into an equivalent Turing machine, which is universal by definition</a:t>
             </a:r>
           </a:p>
           <a:p>
             <a:r>
-              <a:rPr lang="en-US" dirty="0" smtClean="0"/>
-              <a:t>See the textbook for additional details, since for complete correctness are universal Turing machine should receive only one parameter</a:t>
-            </a:r>
-          </a:p>
-          <a:p>
-            <a:r>
-              <a:rPr lang="en-US" dirty="0" smtClean="0"/>
+              <a:rPr lang="en-US" dirty="0"/>
+              <a:t>See the textbook for additional details, since for complete </a:t>
+            </a:r>
+            <a:r>
+              <a:rPr lang="en-US"/>
+              <a:t>correctness our </a:t>
+            </a:r>
+            <a:r>
+              <a:rPr lang="en-US" dirty="0"/>
+              <a:t>universal Turing machine should receive only one parameter</a:t>
+            </a:r>
+          </a:p>
+          <a:p>
+            <a:r>
+              <a:rPr lang="en-US" dirty="0"/>
               <a:t>Universal Turing machines can be constructed explicitly</a:t>
             </a:r>
           </a:p>
           <a:p>
             <a:pPr lvl="1"/>
             <a:r>
-              <a:rPr lang="en-US" dirty="0" smtClean="0"/>
+              <a:rPr lang="en-US" dirty="0"/>
               <a:t>Alan Turing gave a suitable construction in his 1936 paper</a:t>
             </a:r>
           </a:p>
           <a:p>
             <a:pPr lvl="1"/>
             <a:r>
-              <a:rPr lang="en-US" dirty="0" smtClean="0"/>
+              <a:rPr lang="en-US" dirty="0"/>
               <a:t>Minsky published a 7-state, 4-symbol universal Turing machine in the 1960s</a:t>
             </a:r>
-            <a:endParaRPr lang="en-US" dirty="0"/>
           </a:p>
           <a:p>
             <a:endParaRPr lang="en-US" dirty="0"/>
@@ -4724,10 +4574,9 @@
           <a:lstStyle/>
           <a:p>
             <a:r>
-              <a:rPr lang="en-US" dirty="0" smtClean="0"/>
+              <a:rPr lang="en-US" dirty="0"/>
               <a:t>Universal computation occurs in the real world</a:t>
             </a:r>
-            <a:endParaRPr lang="en-US" dirty="0"/>
           </a:p>
         </p:txBody>
       </p:sp>
@@ -4785,23 +4634,7 @@
           <a:p>
             <a:r>
               <a:rPr lang="en-US" sz="3600" dirty="0"/>
-              <a:t>The </a:t>
-            </a:r>
-            <a:r>
-              <a:rPr lang="en-US" sz="3600" dirty="0" smtClean="0"/>
-              <a:t>“rule </a:t>
-            </a:r>
-            <a:r>
-              <a:rPr lang="en-US" sz="3600" dirty="0"/>
-              <a:t>110 </a:t>
-            </a:r>
-            <a:r>
-              <a:rPr lang="en-US" sz="3600" dirty="0" smtClean="0"/>
-              <a:t>automaton” </a:t>
-            </a:r>
-            <a:r>
-              <a:rPr lang="en-US" sz="3600" dirty="0"/>
-              <a:t>is a famous example of universal computation resulting from extremely simple rules</a:t>
+              <a:t>The “rule 110 automaton” is a famous example of universal computation resulting from extremely simple rules</a:t>
             </a:r>
           </a:p>
         </p:txBody>
@@ -4880,11 +4713,6 @@
               </a:rPr>
               <a:t> for details</a:t>
             </a:r>
-            <a:endParaRPr lang="en-US" sz="2400" dirty="0">
-              <a:solidFill>
-                <a:srgbClr val="0070C0"/>
-              </a:solidFill>
-            </a:endParaRPr>
           </a:p>
         </p:txBody>
       </p:sp>
@@ -4939,10 +4767,9 @@
           <a:lstStyle/>
           <a:p>
             <a:r>
-              <a:rPr lang="en-US" dirty="0" smtClean="0"/>
+              <a:rPr lang="en-US" dirty="0"/>
               <a:t>Using a universal program, we can alter the effects of other programs in real time</a:t>
             </a:r>
-            <a:endParaRPr lang="en-US" dirty="0"/>
           </a:p>
         </p:txBody>
       </p:sp>
